--- a/week_7/slides.pptx
+++ b/week_7/slides.pptx
@@ -6,6 +6,7 @@
   </p:sldMasterIdLst>
   <p:sldIdLst>
     <p:sldId id="256" r:id="rId2"/>
+    <p:sldId id="257" r:id="rId3"/>
   </p:sldIdLst>
   <p:sldSz cx="12192000" cy="6858000"/>
   <p:notesSz cx="6858000" cy="9144000"/>
@@ -4016,6 +4017,756 @@
 </p:sld>
 </file>
 
+<file path=ppt/slides/slide2.xml><?xml version="1.0" encoding="utf-8"?>
+<p:sld xmlns:a="http://schemas.openxmlformats.org/drawingml/2006/main" xmlns:r="http://schemas.openxmlformats.org/officeDocument/2006/relationships" xmlns:p="http://schemas.openxmlformats.org/presentationml/2006/main">
+  <p:cSld>
+    <p:spTree>
+      <p:nvGrpSpPr>
+        <p:cNvPr id="1" name=""/>
+        <p:cNvGrpSpPr/>
+        <p:nvPr/>
+      </p:nvGrpSpPr>
+      <p:grpSpPr>
+        <a:xfrm>
+          <a:off x="0" y="0"/>
+          <a:ext cx="0" cy="0"/>
+          <a:chOff x="0" y="0"/>
+          <a:chExt cx="0" cy="0"/>
+        </a:xfrm>
+      </p:grpSpPr>
+      <p:sp>
+        <p:nvSpPr>
+          <p:cNvPr id="4" name="Rounded Rectangle 3"/>
+          <p:cNvSpPr/>
+          <p:nvPr/>
+        </p:nvSpPr>
+        <p:spPr>
+          <a:xfrm>
+            <a:off x="1888717" y="1798840"/>
+            <a:ext cx="1617785" cy="832339"/>
+          </a:xfrm>
+          <a:prstGeom prst="roundRect">
+            <a:avLst/>
+          </a:prstGeom>
+        </p:spPr>
+        <p:style>
+          <a:lnRef idx="2">
+            <a:schemeClr val="accent1">
+              <a:shade val="50000"/>
+            </a:schemeClr>
+          </a:lnRef>
+          <a:fillRef idx="1">
+            <a:schemeClr val="accent1"/>
+          </a:fillRef>
+          <a:effectRef idx="0">
+            <a:schemeClr val="accent1"/>
+          </a:effectRef>
+          <a:fontRef idx="minor">
+            <a:schemeClr val="lt1"/>
+          </a:fontRef>
+        </p:style>
+        <p:txBody>
+          <a:bodyPr rtlCol="0" anchor="ctr"/>
+          <a:lstStyle/>
+          <a:p>
+            <a:pPr algn="ctr"/>
+            <a:r>
+              <a:rPr lang="en-US" dirty="0" smtClean="0"/>
+              <a:t>Door Closed</a:t>
+            </a:r>
+          </a:p>
+          <a:p>
+            <a:pPr algn="ctr"/>
+            <a:r>
+              <a:rPr lang="en-US" dirty="0" smtClean="0"/>
+              <a:t>Off</a:t>
+            </a:r>
+            <a:endParaRPr lang="en-US" dirty="0"/>
+          </a:p>
+        </p:txBody>
+      </p:sp>
+      <p:sp>
+        <p:nvSpPr>
+          <p:cNvPr id="5" name="Rounded Rectangle 4"/>
+          <p:cNvSpPr/>
+          <p:nvPr/>
+        </p:nvSpPr>
+        <p:spPr>
+          <a:xfrm>
+            <a:off x="6472439" y="1798840"/>
+            <a:ext cx="1617785" cy="832339"/>
+          </a:xfrm>
+          <a:prstGeom prst="roundRect">
+            <a:avLst/>
+          </a:prstGeom>
+        </p:spPr>
+        <p:style>
+          <a:lnRef idx="2">
+            <a:schemeClr val="accent1">
+              <a:shade val="50000"/>
+            </a:schemeClr>
+          </a:lnRef>
+          <a:fillRef idx="1">
+            <a:schemeClr val="accent1"/>
+          </a:fillRef>
+          <a:effectRef idx="0">
+            <a:schemeClr val="accent1"/>
+          </a:effectRef>
+          <a:fontRef idx="minor">
+            <a:schemeClr val="lt1"/>
+          </a:fontRef>
+        </p:style>
+        <p:txBody>
+          <a:bodyPr rtlCol="0" anchor="ctr"/>
+          <a:lstStyle/>
+          <a:p>
+            <a:pPr algn="ctr"/>
+            <a:r>
+              <a:rPr lang="en-US" dirty="0" smtClean="0"/>
+              <a:t>Door Closed</a:t>
+            </a:r>
+          </a:p>
+          <a:p>
+            <a:pPr algn="ctr"/>
+            <a:r>
+              <a:rPr lang="en-US" dirty="0" smtClean="0"/>
+              <a:t>On</a:t>
+            </a:r>
+            <a:endParaRPr lang="en-US" dirty="0"/>
+          </a:p>
+        </p:txBody>
+      </p:sp>
+      <p:sp>
+        <p:nvSpPr>
+          <p:cNvPr id="6" name="Rounded Rectangle 5"/>
+          <p:cNvSpPr/>
+          <p:nvPr/>
+        </p:nvSpPr>
+        <p:spPr>
+          <a:xfrm>
+            <a:off x="4257022" y="3752950"/>
+            <a:ext cx="1594095" cy="718751"/>
+          </a:xfrm>
+          <a:prstGeom prst="roundRect">
+            <a:avLst/>
+          </a:prstGeom>
+        </p:spPr>
+        <p:style>
+          <a:lnRef idx="2">
+            <a:schemeClr val="accent1">
+              <a:shade val="50000"/>
+            </a:schemeClr>
+          </a:lnRef>
+          <a:fillRef idx="1">
+            <a:schemeClr val="accent1"/>
+          </a:fillRef>
+          <a:effectRef idx="0">
+            <a:schemeClr val="accent1"/>
+          </a:effectRef>
+          <a:fontRef idx="minor">
+            <a:schemeClr val="lt1"/>
+          </a:fontRef>
+        </p:style>
+        <p:txBody>
+          <a:bodyPr rtlCol="0" anchor="ctr"/>
+          <a:lstStyle/>
+          <a:p>
+            <a:pPr algn="ctr"/>
+            <a:r>
+              <a:rPr lang="en-US" dirty="0" smtClean="0"/>
+              <a:t>Door Open</a:t>
+            </a:r>
+            <a:endParaRPr lang="en-US" dirty="0"/>
+          </a:p>
+        </p:txBody>
+      </p:sp>
+      <p:sp>
+        <p:nvSpPr>
+          <p:cNvPr id="10" name="TextBox 9"/>
+          <p:cNvSpPr txBox="1"/>
+          <p:nvPr/>
+        </p:nvSpPr>
+        <p:spPr>
+          <a:xfrm>
+            <a:off x="3584629" y="2184448"/>
+            <a:ext cx="2773260" cy="369332"/>
+          </a:xfrm>
+          <a:prstGeom prst="rect">
+            <a:avLst/>
+          </a:prstGeom>
+          <a:noFill/>
+        </p:spPr>
+        <p:txBody>
+          <a:bodyPr wrap="none" rtlCol="0">
+            <a:spAutoFit/>
+          </a:bodyPr>
+          <a:lstStyle/>
+          <a:p>
+            <a:r>
+              <a:rPr lang="en-US" smtClean="0"/>
+              <a:t>On button pressed: emit on</a:t>
+            </a:r>
+            <a:endParaRPr lang="en-US"/>
+          </a:p>
+        </p:txBody>
+      </p:sp>
+      <p:cxnSp>
+        <p:nvCxnSpPr>
+          <p:cNvPr id="15" name="Elbow Connector 14"/>
+          <p:cNvCxnSpPr>
+            <a:stCxn id="4" idx="3"/>
+            <a:endCxn id="5" idx="1"/>
+          </p:cNvCxnSpPr>
+          <p:nvPr/>
+        </p:nvCxnSpPr>
+        <p:spPr>
+          <a:xfrm>
+            <a:off x="3506502" y="2215010"/>
+            <a:ext cx="2965937" cy="0"/>
+          </a:xfrm>
+          <a:prstGeom prst="bentConnector3">
+            <a:avLst/>
+          </a:prstGeom>
+          <a:ln w="22225">
+            <a:tailEnd type="triangle"/>
+          </a:ln>
+        </p:spPr>
+        <p:style>
+          <a:lnRef idx="1">
+            <a:schemeClr val="accent1"/>
+          </a:lnRef>
+          <a:fillRef idx="0">
+            <a:schemeClr val="accent1"/>
+          </a:fillRef>
+          <a:effectRef idx="0">
+            <a:schemeClr val="accent1"/>
+          </a:effectRef>
+          <a:fontRef idx="minor">
+            <a:schemeClr val="tx1"/>
+          </a:fontRef>
+        </p:style>
+      </p:cxnSp>
+      <p:cxnSp>
+        <p:nvCxnSpPr>
+          <p:cNvPr id="17" name="Elbow Connector 16"/>
+          <p:cNvCxnSpPr>
+            <a:stCxn id="4" idx="2"/>
+          </p:cNvCxnSpPr>
+          <p:nvPr/>
+        </p:nvCxnSpPr>
+        <p:spPr>
+          <a:xfrm rot="16200000" flipH="1">
+            <a:off x="2753295" y="2575494"/>
+            <a:ext cx="1424352" cy="1535722"/>
+          </a:xfrm>
+          <a:prstGeom prst="bentConnector2">
+            <a:avLst/>
+          </a:prstGeom>
+          <a:ln w="22225">
+            <a:tailEnd type="triangle"/>
+          </a:ln>
+        </p:spPr>
+        <p:style>
+          <a:lnRef idx="1">
+            <a:schemeClr val="accent1"/>
+          </a:lnRef>
+          <a:fillRef idx="0">
+            <a:schemeClr val="accent1"/>
+          </a:fillRef>
+          <a:effectRef idx="0">
+            <a:schemeClr val="accent1"/>
+          </a:effectRef>
+          <a:fontRef idx="minor">
+            <a:schemeClr val="tx1"/>
+          </a:fontRef>
+        </p:style>
+      </p:cxnSp>
+      <p:cxnSp>
+        <p:nvCxnSpPr>
+          <p:cNvPr id="20" name="Elbow Connector 19"/>
+          <p:cNvCxnSpPr>
+            <a:stCxn id="5" idx="2"/>
+            <a:endCxn id="6" idx="3"/>
+          </p:cNvCxnSpPr>
+          <p:nvPr/>
+        </p:nvCxnSpPr>
+        <p:spPr>
+          <a:xfrm rot="5400000">
+            <a:off x="5825652" y="2656645"/>
+            <a:ext cx="1481147" cy="1430215"/>
+          </a:xfrm>
+          <a:prstGeom prst="bentConnector2">
+            <a:avLst/>
+          </a:prstGeom>
+          <a:ln w="22225">
+            <a:tailEnd type="triangle"/>
+          </a:ln>
+        </p:spPr>
+        <p:style>
+          <a:lnRef idx="1">
+            <a:schemeClr val="accent1"/>
+          </a:lnRef>
+          <a:fillRef idx="0">
+            <a:schemeClr val="accent1"/>
+          </a:fillRef>
+          <a:effectRef idx="0">
+            <a:schemeClr val="accent1"/>
+          </a:effectRef>
+          <a:fontRef idx="minor">
+            <a:schemeClr val="tx1"/>
+          </a:fontRef>
+        </p:style>
+      </p:cxnSp>
+      <p:cxnSp>
+        <p:nvCxnSpPr>
+          <p:cNvPr id="23" name="Elbow Connector 22"/>
+          <p:cNvCxnSpPr>
+            <a:stCxn id="5" idx="0"/>
+            <a:endCxn id="4" idx="0"/>
+          </p:cNvCxnSpPr>
+          <p:nvPr/>
+        </p:nvCxnSpPr>
+        <p:spPr>
+          <a:xfrm rot="16200000" flipV="1">
+            <a:off x="4989471" y="-493021"/>
+            <a:ext cx="12700" cy="4583722"/>
+          </a:xfrm>
+          <a:prstGeom prst="bentConnector3">
+            <a:avLst>
+              <a:gd name="adj1" fmla="val 4292315"/>
+            </a:avLst>
+          </a:prstGeom>
+          <a:ln w="22225">
+            <a:tailEnd type="triangle"/>
+          </a:ln>
+        </p:spPr>
+        <p:style>
+          <a:lnRef idx="1">
+            <a:schemeClr val="accent1"/>
+          </a:lnRef>
+          <a:fillRef idx="0">
+            <a:schemeClr val="accent1"/>
+          </a:fillRef>
+          <a:effectRef idx="0">
+            <a:schemeClr val="accent1"/>
+          </a:effectRef>
+          <a:fontRef idx="minor">
+            <a:schemeClr val="tx1"/>
+          </a:fontRef>
+        </p:style>
+      </p:cxnSp>
+      <p:sp>
+        <p:nvSpPr>
+          <p:cNvPr id="27" name="TextBox 26"/>
+          <p:cNvSpPr txBox="1"/>
+          <p:nvPr/>
+        </p:nvSpPr>
+        <p:spPr>
+          <a:xfrm>
+            <a:off x="3567445" y="1235318"/>
+            <a:ext cx="2807628" cy="369332"/>
+          </a:xfrm>
+          <a:prstGeom prst="rect">
+            <a:avLst/>
+          </a:prstGeom>
+          <a:noFill/>
+        </p:spPr>
+        <p:txBody>
+          <a:bodyPr wrap="none" rtlCol="0">
+            <a:spAutoFit/>
+          </a:bodyPr>
+          <a:lstStyle/>
+          <a:p>
+            <a:r>
+              <a:rPr lang="en-US" dirty="0" smtClean="0"/>
+              <a:t>Off button pressed: emit off</a:t>
+            </a:r>
+            <a:endParaRPr lang="en-US" dirty="0"/>
+          </a:p>
+        </p:txBody>
+      </p:sp>
+      <p:sp>
+        <p:nvSpPr>
+          <p:cNvPr id="40" name="Arc 39"/>
+          <p:cNvSpPr/>
+          <p:nvPr/>
+        </p:nvSpPr>
+        <p:spPr>
+          <a:xfrm>
+            <a:off x="1234983" y="1792489"/>
+            <a:ext cx="939149" cy="860832"/>
+          </a:xfrm>
+          <a:prstGeom prst="arc">
+            <a:avLst>
+              <a:gd name="adj1" fmla="val 3561012"/>
+              <a:gd name="adj2" fmla="val 17802639"/>
+            </a:avLst>
+          </a:prstGeom>
+          <a:ln w="22225">
+            <a:tailEnd type="triangle"/>
+          </a:ln>
+        </p:spPr>
+        <p:style>
+          <a:lnRef idx="1">
+            <a:schemeClr val="accent1"/>
+          </a:lnRef>
+          <a:fillRef idx="0">
+            <a:schemeClr val="accent1"/>
+          </a:fillRef>
+          <a:effectRef idx="0">
+            <a:schemeClr val="accent1"/>
+          </a:effectRef>
+          <a:fontRef idx="minor">
+            <a:schemeClr val="tx1"/>
+          </a:fontRef>
+        </p:style>
+        <p:txBody>
+          <a:bodyPr rtlCol="0" anchor="ctr"/>
+          <a:lstStyle/>
+          <a:p>
+            <a:pPr algn="ctr"/>
+            <a:endParaRPr lang="en-US"/>
+          </a:p>
+        </p:txBody>
+      </p:sp>
+      <p:sp>
+        <p:nvSpPr>
+          <p:cNvPr id="41" name="Arc 40"/>
+          <p:cNvSpPr/>
+          <p:nvPr/>
+        </p:nvSpPr>
+        <p:spPr>
+          <a:xfrm rot="16200000">
+            <a:off x="4572650" y="4263454"/>
+            <a:ext cx="939149" cy="860832"/>
+          </a:xfrm>
+          <a:prstGeom prst="arc">
+            <a:avLst>
+              <a:gd name="adj1" fmla="val 3561012"/>
+              <a:gd name="adj2" fmla="val 18042358"/>
+            </a:avLst>
+          </a:prstGeom>
+          <a:ln w="22225">
+            <a:tailEnd type="triangle"/>
+          </a:ln>
+        </p:spPr>
+        <p:style>
+          <a:lnRef idx="1">
+            <a:schemeClr val="accent1"/>
+          </a:lnRef>
+          <a:fillRef idx="0">
+            <a:schemeClr val="accent1"/>
+          </a:fillRef>
+          <a:effectRef idx="0">
+            <a:schemeClr val="accent1"/>
+          </a:effectRef>
+          <a:fontRef idx="minor">
+            <a:schemeClr val="tx1"/>
+          </a:fontRef>
+        </p:style>
+        <p:txBody>
+          <a:bodyPr rtlCol="0" anchor="ctr"/>
+          <a:lstStyle/>
+          <a:p>
+            <a:pPr algn="ctr"/>
+            <a:endParaRPr lang="en-US"/>
+          </a:p>
+        </p:txBody>
+      </p:sp>
+      <p:sp>
+        <p:nvSpPr>
+          <p:cNvPr id="42" name="TextBox 41"/>
+          <p:cNvSpPr txBox="1"/>
+          <p:nvPr/>
+        </p:nvSpPr>
+        <p:spPr>
+          <a:xfrm>
+            <a:off x="1801149" y="2993030"/>
+            <a:ext cx="902811" cy="646331"/>
+          </a:xfrm>
+          <a:prstGeom prst="rect">
+            <a:avLst/>
+          </a:prstGeom>
+          <a:noFill/>
+        </p:spPr>
+        <p:txBody>
+          <a:bodyPr wrap="none" rtlCol="0">
+            <a:spAutoFit/>
+          </a:bodyPr>
+          <a:lstStyle/>
+          <a:p>
+            <a:pPr algn="r"/>
+            <a:r>
+              <a:rPr lang="en-US" smtClean="0"/>
+              <a:t>Door</a:t>
+            </a:r>
+          </a:p>
+          <a:p>
+            <a:pPr algn="r"/>
+            <a:r>
+              <a:rPr lang="en-US" dirty="0" smtClean="0"/>
+              <a:t>opened</a:t>
+            </a:r>
+            <a:endParaRPr lang="en-US" dirty="0"/>
+          </a:p>
+        </p:txBody>
+      </p:sp>
+      <p:sp>
+        <p:nvSpPr>
+          <p:cNvPr id="43" name="TextBox 42"/>
+          <p:cNvSpPr txBox="1"/>
+          <p:nvPr/>
+        </p:nvSpPr>
+        <p:spPr>
+          <a:xfrm>
+            <a:off x="7287682" y="2993031"/>
+            <a:ext cx="995785" cy="923330"/>
+          </a:xfrm>
+          <a:prstGeom prst="rect">
+            <a:avLst/>
+          </a:prstGeom>
+          <a:noFill/>
+        </p:spPr>
+        <p:txBody>
+          <a:bodyPr wrap="none" rtlCol="0">
+            <a:spAutoFit/>
+          </a:bodyPr>
+          <a:lstStyle/>
+          <a:p>
+            <a:r>
+              <a:rPr lang="en-US" dirty="0" smtClean="0"/>
+              <a:t>Door</a:t>
+            </a:r>
+          </a:p>
+          <a:p>
+            <a:r>
+              <a:rPr lang="en-US" dirty="0" smtClean="0"/>
+              <a:t>opened:</a:t>
+            </a:r>
+          </a:p>
+          <a:p>
+            <a:r>
+              <a:rPr lang="en-US" dirty="0" smtClean="0"/>
+              <a:t>emit off</a:t>
+            </a:r>
+            <a:endParaRPr lang="en-US" dirty="0"/>
+          </a:p>
+        </p:txBody>
+      </p:sp>
+      <p:sp>
+        <p:nvSpPr>
+          <p:cNvPr id="44" name="TextBox 43"/>
+          <p:cNvSpPr txBox="1"/>
+          <p:nvPr/>
+        </p:nvSpPr>
+        <p:spPr>
+          <a:xfrm>
+            <a:off x="5472641" y="4613352"/>
+            <a:ext cx="1603259" cy="369332"/>
+          </a:xfrm>
+          <a:prstGeom prst="rect">
+            <a:avLst/>
+          </a:prstGeom>
+          <a:noFill/>
+        </p:spPr>
+        <p:txBody>
+          <a:bodyPr wrap="none" rtlCol="0">
+            <a:spAutoFit/>
+          </a:bodyPr>
+          <a:lstStyle/>
+          <a:p>
+            <a:r>
+              <a:rPr lang="en-US" smtClean="0"/>
+              <a:t>Power level set</a:t>
+            </a:r>
+            <a:endParaRPr lang="en-US" dirty="0"/>
+          </a:p>
+        </p:txBody>
+      </p:sp>
+      <p:sp>
+        <p:nvSpPr>
+          <p:cNvPr id="45" name="TextBox 44"/>
+          <p:cNvSpPr txBox="1"/>
+          <p:nvPr/>
+        </p:nvSpPr>
+        <p:spPr>
+          <a:xfrm>
+            <a:off x="266116" y="1890603"/>
+            <a:ext cx="956416" cy="646331"/>
+          </a:xfrm>
+          <a:prstGeom prst="rect">
+            <a:avLst/>
+          </a:prstGeom>
+          <a:noFill/>
+        </p:spPr>
+        <p:txBody>
+          <a:bodyPr wrap="none" rtlCol="0">
+            <a:spAutoFit/>
+          </a:bodyPr>
+          <a:lstStyle/>
+          <a:p>
+            <a:pPr algn="r"/>
+            <a:r>
+              <a:rPr lang="en-US" smtClean="0"/>
+              <a:t>Power</a:t>
+            </a:r>
+          </a:p>
+          <a:p>
+            <a:pPr algn="r"/>
+            <a:r>
+              <a:rPr lang="en-US" dirty="0" smtClean="0"/>
+              <a:t>level set</a:t>
+            </a:r>
+            <a:endParaRPr lang="en-US" dirty="0"/>
+          </a:p>
+        </p:txBody>
+      </p:sp>
+      <p:cxnSp>
+        <p:nvCxnSpPr>
+          <p:cNvPr id="51" name="Straight Arrow Connector 50"/>
+          <p:cNvCxnSpPr/>
+          <p:nvPr/>
+        </p:nvCxnSpPr>
+        <p:spPr>
+          <a:xfrm flipH="1" flipV="1">
+            <a:off x="3445933" y="2624831"/>
+            <a:ext cx="811089" cy="1128119"/>
+          </a:xfrm>
+          <a:prstGeom prst="straightConnector1">
+            <a:avLst/>
+          </a:prstGeom>
+          <a:ln w="22225">
+            <a:tailEnd type="triangle"/>
+          </a:ln>
+        </p:spPr>
+        <p:style>
+          <a:lnRef idx="1">
+            <a:schemeClr val="accent1"/>
+          </a:lnRef>
+          <a:fillRef idx="0">
+            <a:schemeClr val="accent1"/>
+          </a:fillRef>
+          <a:effectRef idx="0">
+            <a:schemeClr val="accent1"/>
+          </a:effectRef>
+          <a:fontRef idx="minor">
+            <a:schemeClr val="tx1"/>
+          </a:fontRef>
+        </p:style>
+      </p:cxnSp>
+      <p:sp>
+        <p:nvSpPr>
+          <p:cNvPr id="59" name="TextBox 58"/>
+          <p:cNvSpPr txBox="1"/>
+          <p:nvPr/>
+        </p:nvSpPr>
+        <p:spPr>
+          <a:xfrm>
+            <a:off x="3800163" y="2839721"/>
+            <a:ext cx="995785" cy="646331"/>
+          </a:xfrm>
+          <a:prstGeom prst="rect">
+            <a:avLst/>
+          </a:prstGeom>
+          <a:noFill/>
+        </p:spPr>
+        <p:txBody>
+          <a:bodyPr wrap="none" rtlCol="0">
+            <a:spAutoFit/>
+          </a:bodyPr>
+          <a:lstStyle/>
+          <a:p>
+            <a:r>
+              <a:rPr lang="en-US" dirty="0" smtClean="0"/>
+              <a:t>Door</a:t>
+            </a:r>
+          </a:p>
+          <a:p>
+            <a:r>
+              <a:rPr lang="en-US" dirty="0" smtClean="0"/>
+              <a:t>    closed</a:t>
+            </a:r>
+            <a:endParaRPr lang="en-US" dirty="0"/>
+          </a:p>
+        </p:txBody>
+      </p:sp>
+      <p:cxnSp>
+        <p:nvCxnSpPr>
+          <p:cNvPr id="60" name="Straight Arrow Connector 59"/>
+          <p:cNvCxnSpPr/>
+          <p:nvPr/>
+        </p:nvCxnSpPr>
+        <p:spPr>
+          <a:xfrm>
+            <a:off x="1704557" y="1092200"/>
+            <a:ext cx="686319" cy="678147"/>
+          </a:xfrm>
+          <a:prstGeom prst="straightConnector1">
+            <a:avLst/>
+          </a:prstGeom>
+          <a:ln w="22225">
+            <a:tailEnd type="triangle"/>
+          </a:ln>
+        </p:spPr>
+        <p:style>
+          <a:lnRef idx="1">
+            <a:schemeClr val="accent1"/>
+          </a:lnRef>
+          <a:fillRef idx="0">
+            <a:schemeClr val="accent1"/>
+          </a:fillRef>
+          <a:effectRef idx="0">
+            <a:schemeClr val="accent1"/>
+          </a:effectRef>
+          <a:fontRef idx="minor">
+            <a:schemeClr val="tx1"/>
+          </a:fontRef>
+        </p:style>
+      </p:cxnSp>
+      <p:sp>
+        <p:nvSpPr>
+          <p:cNvPr id="64" name="TextBox 63"/>
+          <p:cNvSpPr txBox="1"/>
+          <p:nvPr/>
+        </p:nvSpPr>
+        <p:spPr>
+          <a:xfrm>
+            <a:off x="1256364" y="1191653"/>
+            <a:ext cx="632353" cy="369332"/>
+          </a:xfrm>
+          <a:prstGeom prst="rect">
+            <a:avLst/>
+          </a:prstGeom>
+          <a:noFill/>
+        </p:spPr>
+        <p:txBody>
+          <a:bodyPr wrap="none" rtlCol="0">
+            <a:spAutoFit/>
+          </a:bodyPr>
+          <a:lstStyle/>
+          <a:p>
+            <a:pPr algn="r"/>
+            <a:r>
+              <a:rPr lang="en-US" smtClean="0"/>
+              <a:t>Start</a:t>
+            </a:r>
+            <a:endParaRPr lang="en-US" dirty="0"/>
+          </a:p>
+        </p:txBody>
+      </p:sp>
+    </p:spTree>
+    <p:extLst>
+      <p:ext uri="{BB962C8B-B14F-4D97-AF65-F5344CB8AC3E}">
+        <p14:creationId xmlns:p14="http://schemas.microsoft.com/office/powerpoint/2010/main" val="1862472888"/>
+      </p:ext>
+    </p:extLst>
+  </p:cSld>
+  <p:clrMapOvr>
+    <a:masterClrMapping/>
+  </p:clrMapOvr>
+</p:sld>
+</file>
+
 <file path=ppt/theme/theme1.xml><?xml version="1.0" encoding="utf-8"?>
 <a:theme xmlns:a="http://schemas.openxmlformats.org/drawingml/2006/main" name="Office Theme">
   <a:themeElements>

--- a/week_7/slides.pptx
+++ b/week_7/slides.pptx
@@ -4,9 +4,13 @@
   <p:sldMasterIdLst>
     <p:sldMasterId id="2147483648" r:id="rId1"/>
   </p:sldMasterIdLst>
+  <p:notesMasterIdLst>
+    <p:notesMasterId r:id="rId5"/>
+  </p:notesMasterIdLst>
   <p:sldIdLst>
     <p:sldId id="256" r:id="rId2"/>
-    <p:sldId id="257" r:id="rId3"/>
+    <p:sldId id="258" r:id="rId3"/>
+    <p:sldId id="257" r:id="rId4"/>
   </p:sldIdLst>
   <p:sldSz cx="12192000" cy="6858000"/>
   <p:notesSz cx="6858000" cy="9144000"/>
@@ -106,6 +110,356 @@
     </a:lvl9pPr>
   </p:defaultTextStyle>
 </p:presentation>
+</file>
+
+<file path=ppt/notesMasters/notesMaster1.xml><?xml version="1.0" encoding="utf-8"?>
+<p:notesMaster xmlns:a="http://schemas.openxmlformats.org/drawingml/2006/main" xmlns:r="http://schemas.openxmlformats.org/officeDocument/2006/relationships" xmlns:p="http://schemas.openxmlformats.org/presentationml/2006/main">
+  <p:cSld>
+    <p:bg>
+      <p:bgRef idx="1001">
+        <a:schemeClr val="bg1"/>
+      </p:bgRef>
+    </p:bg>
+    <p:spTree>
+      <p:nvGrpSpPr>
+        <p:cNvPr id="1" name=""/>
+        <p:cNvGrpSpPr/>
+        <p:nvPr/>
+      </p:nvGrpSpPr>
+      <p:grpSpPr>
+        <a:xfrm>
+          <a:off x="0" y="0"/>
+          <a:ext cx="0" cy="0"/>
+          <a:chOff x="0" y="0"/>
+          <a:chExt cx="0" cy="0"/>
+        </a:xfrm>
+      </p:grpSpPr>
+      <p:sp>
+        <p:nvSpPr>
+          <p:cNvPr id="2" name="Header Placeholder 1"/>
+          <p:cNvSpPr>
+            <a:spLocks noGrp="1"/>
+          </p:cNvSpPr>
+          <p:nvPr>
+            <p:ph type="hdr" sz="quarter"/>
+          </p:nvPr>
+        </p:nvSpPr>
+        <p:spPr>
+          <a:xfrm>
+            <a:off x="0" y="0"/>
+            <a:ext cx="2971800" cy="458788"/>
+          </a:xfrm>
+          <a:prstGeom prst="rect">
+            <a:avLst/>
+          </a:prstGeom>
+        </p:spPr>
+        <p:txBody>
+          <a:bodyPr vert="horz" lIns="91440" tIns="45720" rIns="91440" bIns="45720" rtlCol="0"/>
+          <a:lstStyle>
+            <a:lvl1pPr algn="l">
+              <a:defRPr sz="1200"/>
+            </a:lvl1pPr>
+          </a:lstStyle>
+          <a:p>
+            <a:endParaRPr lang="en-US"/>
+          </a:p>
+        </p:txBody>
+      </p:sp>
+      <p:sp>
+        <p:nvSpPr>
+          <p:cNvPr id="3" name="Date Placeholder 2"/>
+          <p:cNvSpPr>
+            <a:spLocks noGrp="1"/>
+          </p:cNvSpPr>
+          <p:nvPr>
+            <p:ph type="dt" idx="1"/>
+          </p:nvPr>
+        </p:nvSpPr>
+        <p:spPr>
+          <a:xfrm>
+            <a:off x="3884613" y="0"/>
+            <a:ext cx="2971800" cy="458788"/>
+          </a:xfrm>
+          <a:prstGeom prst="rect">
+            <a:avLst/>
+          </a:prstGeom>
+        </p:spPr>
+        <p:txBody>
+          <a:bodyPr vert="horz" lIns="91440" tIns="45720" rIns="91440" bIns="45720" rtlCol="0"/>
+          <a:lstStyle>
+            <a:lvl1pPr algn="r">
+              <a:defRPr sz="1200"/>
+            </a:lvl1pPr>
+          </a:lstStyle>
+          <a:p>
+            <a:fld id="{CACBCD37-602D-644A-98BC-97C116B1362F}" type="datetimeFigureOut">
+              <a:rPr lang="en-US" smtClean="0"/>
+              <a:t>2/21/19</a:t>
+            </a:fld>
+            <a:endParaRPr lang="en-US"/>
+          </a:p>
+        </p:txBody>
+      </p:sp>
+      <p:sp>
+        <p:nvSpPr>
+          <p:cNvPr id="4" name="Slide Image Placeholder 3"/>
+          <p:cNvSpPr>
+            <a:spLocks noGrp="1" noRot="1" noChangeAspect="1"/>
+          </p:cNvSpPr>
+          <p:nvPr>
+            <p:ph type="sldImg" idx="2"/>
+          </p:nvPr>
+        </p:nvSpPr>
+        <p:spPr>
+          <a:xfrm>
+            <a:off x="685800" y="1143000"/>
+            <a:ext cx="5486400" cy="3086100"/>
+          </a:xfrm>
+          <a:prstGeom prst="rect">
+            <a:avLst/>
+          </a:prstGeom>
+          <a:noFill/>
+          <a:ln w="12700">
+            <a:solidFill>
+              <a:prstClr val="black"/>
+            </a:solidFill>
+          </a:ln>
+        </p:spPr>
+        <p:txBody>
+          <a:bodyPr vert="horz" lIns="91440" tIns="45720" rIns="91440" bIns="45720" rtlCol="0" anchor="ctr"/>
+          <a:lstStyle/>
+          <a:p>
+            <a:endParaRPr lang="en-US"/>
+          </a:p>
+        </p:txBody>
+      </p:sp>
+      <p:sp>
+        <p:nvSpPr>
+          <p:cNvPr id="5" name="Notes Placeholder 4"/>
+          <p:cNvSpPr>
+            <a:spLocks noGrp="1"/>
+          </p:cNvSpPr>
+          <p:nvPr>
+            <p:ph type="body" sz="quarter" idx="3"/>
+          </p:nvPr>
+        </p:nvSpPr>
+        <p:spPr>
+          <a:xfrm>
+            <a:off x="685800" y="4400550"/>
+            <a:ext cx="5486400" cy="3600450"/>
+          </a:xfrm>
+          <a:prstGeom prst="rect">
+            <a:avLst/>
+          </a:prstGeom>
+        </p:spPr>
+        <p:txBody>
+          <a:bodyPr vert="horz" lIns="91440" tIns="45720" rIns="91440" bIns="45720" rtlCol="0"/>
+          <a:lstStyle/>
+          <a:p>
+            <a:pPr lvl="0"/>
+            <a:r>
+              <a:rPr lang="en-US" smtClean="0"/>
+              <a:t>Click to edit Master text styles</a:t>
+            </a:r>
+          </a:p>
+          <a:p>
+            <a:pPr lvl="1"/>
+            <a:r>
+              <a:rPr lang="en-US" smtClean="0"/>
+              <a:t>Second level</a:t>
+            </a:r>
+          </a:p>
+          <a:p>
+            <a:pPr lvl="2"/>
+            <a:r>
+              <a:rPr lang="en-US" smtClean="0"/>
+              <a:t>Third level</a:t>
+            </a:r>
+          </a:p>
+          <a:p>
+            <a:pPr lvl="3"/>
+            <a:r>
+              <a:rPr lang="en-US" smtClean="0"/>
+              <a:t>Fourth level</a:t>
+            </a:r>
+          </a:p>
+          <a:p>
+            <a:pPr lvl="4"/>
+            <a:r>
+              <a:rPr lang="en-US" smtClean="0"/>
+              <a:t>Fifth level</a:t>
+            </a:r>
+            <a:endParaRPr lang="en-US"/>
+          </a:p>
+        </p:txBody>
+      </p:sp>
+      <p:sp>
+        <p:nvSpPr>
+          <p:cNvPr id="6" name="Footer Placeholder 5"/>
+          <p:cNvSpPr>
+            <a:spLocks noGrp="1"/>
+          </p:cNvSpPr>
+          <p:nvPr>
+            <p:ph type="ftr" sz="quarter" idx="4"/>
+          </p:nvPr>
+        </p:nvSpPr>
+        <p:spPr>
+          <a:xfrm>
+            <a:off x="0" y="8685213"/>
+            <a:ext cx="2971800" cy="458787"/>
+          </a:xfrm>
+          <a:prstGeom prst="rect">
+            <a:avLst/>
+          </a:prstGeom>
+        </p:spPr>
+        <p:txBody>
+          <a:bodyPr vert="horz" lIns="91440" tIns="45720" rIns="91440" bIns="45720" rtlCol="0" anchor="b"/>
+          <a:lstStyle>
+            <a:lvl1pPr algn="l">
+              <a:defRPr sz="1200"/>
+            </a:lvl1pPr>
+          </a:lstStyle>
+          <a:p>
+            <a:endParaRPr lang="en-US"/>
+          </a:p>
+        </p:txBody>
+      </p:sp>
+      <p:sp>
+        <p:nvSpPr>
+          <p:cNvPr id="7" name="Slide Number Placeholder 6"/>
+          <p:cNvSpPr>
+            <a:spLocks noGrp="1"/>
+          </p:cNvSpPr>
+          <p:nvPr>
+            <p:ph type="sldNum" sz="quarter" idx="5"/>
+          </p:nvPr>
+        </p:nvSpPr>
+        <p:spPr>
+          <a:xfrm>
+            <a:off x="3884613" y="8685213"/>
+            <a:ext cx="2971800" cy="458787"/>
+          </a:xfrm>
+          <a:prstGeom prst="rect">
+            <a:avLst/>
+          </a:prstGeom>
+        </p:spPr>
+        <p:txBody>
+          <a:bodyPr vert="horz" lIns="91440" tIns="45720" rIns="91440" bIns="45720" rtlCol="0" anchor="b"/>
+          <a:lstStyle>
+            <a:lvl1pPr algn="r">
+              <a:defRPr sz="1200"/>
+            </a:lvl1pPr>
+          </a:lstStyle>
+          <a:p>
+            <a:fld id="{621824D8-EB63-6B4F-B6B2-9BC555E05E06}" type="slidenum">
+              <a:rPr lang="en-US" smtClean="0"/>
+              <a:t>‹#›</a:t>
+            </a:fld>
+            <a:endParaRPr lang="en-US"/>
+          </a:p>
+        </p:txBody>
+      </p:sp>
+    </p:spTree>
+    <p:extLst>
+      <p:ext uri="{BB962C8B-B14F-4D97-AF65-F5344CB8AC3E}">
+        <p14:creationId xmlns:p14="http://schemas.microsoft.com/office/powerpoint/2010/main" val="1267186968"/>
+      </p:ext>
+    </p:extLst>
+  </p:cSld>
+  <p:clrMap bg1="lt1" tx1="dk1" bg2="lt2" tx2="dk2" accent1="accent1" accent2="accent2" accent3="accent3" accent4="accent4" accent5="accent5" accent6="accent6" hlink="hlink" folHlink="folHlink"/>
+  <p:notesStyle>
+    <a:lvl1pPr marL="0" algn="l" defTabSz="914400" rtl="0" eaLnBrk="1" latinLnBrk="0" hangingPunct="1">
+      <a:defRPr sz="1200" kern="1200">
+        <a:solidFill>
+          <a:schemeClr val="tx1"/>
+        </a:solidFill>
+        <a:latin typeface="+mn-lt"/>
+        <a:ea typeface="+mn-ea"/>
+        <a:cs typeface="+mn-cs"/>
+      </a:defRPr>
+    </a:lvl1pPr>
+    <a:lvl2pPr marL="457200" algn="l" defTabSz="914400" rtl="0" eaLnBrk="1" latinLnBrk="0" hangingPunct="1">
+      <a:defRPr sz="1200" kern="1200">
+        <a:solidFill>
+          <a:schemeClr val="tx1"/>
+        </a:solidFill>
+        <a:latin typeface="+mn-lt"/>
+        <a:ea typeface="+mn-ea"/>
+        <a:cs typeface="+mn-cs"/>
+      </a:defRPr>
+    </a:lvl2pPr>
+    <a:lvl3pPr marL="914400" algn="l" defTabSz="914400" rtl="0" eaLnBrk="1" latinLnBrk="0" hangingPunct="1">
+      <a:defRPr sz="1200" kern="1200">
+        <a:solidFill>
+          <a:schemeClr val="tx1"/>
+        </a:solidFill>
+        <a:latin typeface="+mn-lt"/>
+        <a:ea typeface="+mn-ea"/>
+        <a:cs typeface="+mn-cs"/>
+      </a:defRPr>
+    </a:lvl3pPr>
+    <a:lvl4pPr marL="1371600" algn="l" defTabSz="914400" rtl="0" eaLnBrk="1" latinLnBrk="0" hangingPunct="1">
+      <a:defRPr sz="1200" kern="1200">
+        <a:solidFill>
+          <a:schemeClr val="tx1"/>
+        </a:solidFill>
+        <a:latin typeface="+mn-lt"/>
+        <a:ea typeface="+mn-ea"/>
+        <a:cs typeface="+mn-cs"/>
+      </a:defRPr>
+    </a:lvl4pPr>
+    <a:lvl5pPr marL="1828800" algn="l" defTabSz="914400" rtl="0" eaLnBrk="1" latinLnBrk="0" hangingPunct="1">
+      <a:defRPr sz="1200" kern="1200">
+        <a:solidFill>
+          <a:schemeClr val="tx1"/>
+        </a:solidFill>
+        <a:latin typeface="+mn-lt"/>
+        <a:ea typeface="+mn-ea"/>
+        <a:cs typeface="+mn-cs"/>
+      </a:defRPr>
+    </a:lvl5pPr>
+    <a:lvl6pPr marL="2286000" algn="l" defTabSz="914400" rtl="0" eaLnBrk="1" latinLnBrk="0" hangingPunct="1">
+      <a:defRPr sz="1200" kern="1200">
+        <a:solidFill>
+          <a:schemeClr val="tx1"/>
+        </a:solidFill>
+        <a:latin typeface="+mn-lt"/>
+        <a:ea typeface="+mn-ea"/>
+        <a:cs typeface="+mn-cs"/>
+      </a:defRPr>
+    </a:lvl6pPr>
+    <a:lvl7pPr marL="2743200" algn="l" defTabSz="914400" rtl="0" eaLnBrk="1" latinLnBrk="0" hangingPunct="1">
+      <a:defRPr sz="1200" kern="1200">
+        <a:solidFill>
+          <a:schemeClr val="tx1"/>
+        </a:solidFill>
+        <a:latin typeface="+mn-lt"/>
+        <a:ea typeface="+mn-ea"/>
+        <a:cs typeface="+mn-cs"/>
+      </a:defRPr>
+    </a:lvl7pPr>
+    <a:lvl8pPr marL="3200400" algn="l" defTabSz="914400" rtl="0" eaLnBrk="1" latinLnBrk="0" hangingPunct="1">
+      <a:defRPr sz="1200" kern="1200">
+        <a:solidFill>
+          <a:schemeClr val="tx1"/>
+        </a:solidFill>
+        <a:latin typeface="+mn-lt"/>
+        <a:ea typeface="+mn-ea"/>
+        <a:cs typeface="+mn-cs"/>
+      </a:defRPr>
+    </a:lvl8pPr>
+    <a:lvl9pPr marL="3657600" algn="l" defTabSz="914400" rtl="0" eaLnBrk="1" latinLnBrk="0" hangingPunct="1">
+      <a:defRPr sz="1200" kern="1200">
+        <a:solidFill>
+          <a:schemeClr val="tx1"/>
+        </a:solidFill>
+        <a:latin typeface="+mn-lt"/>
+        <a:ea typeface="+mn-ea"/>
+        <a:cs typeface="+mn-cs"/>
+      </a:defRPr>
+    </a:lvl9pPr>
+  </p:notesStyle>
+</p:notesMaster>
 </file>
 
 <file path=ppt/slideLayouts/slideLayout1.xml><?xml version="1.0" encoding="utf-8"?>
@@ -4072,6 +4426,324 @@
             <a:pPr algn="ctr"/>
             <a:r>
               <a:rPr lang="en-US" dirty="0" smtClean="0"/>
+              <a:t>Off</a:t>
+            </a:r>
+            <a:endParaRPr lang="en-US" dirty="0"/>
+          </a:p>
+        </p:txBody>
+      </p:sp>
+      <p:sp>
+        <p:nvSpPr>
+          <p:cNvPr id="5" name="Rounded Rectangle 4"/>
+          <p:cNvSpPr/>
+          <p:nvPr/>
+        </p:nvSpPr>
+        <p:spPr>
+          <a:xfrm>
+            <a:off x="6472439" y="1798840"/>
+            <a:ext cx="1617785" cy="832339"/>
+          </a:xfrm>
+          <a:prstGeom prst="roundRect">
+            <a:avLst/>
+          </a:prstGeom>
+        </p:spPr>
+        <p:style>
+          <a:lnRef idx="2">
+            <a:schemeClr val="accent1">
+              <a:shade val="50000"/>
+            </a:schemeClr>
+          </a:lnRef>
+          <a:fillRef idx="1">
+            <a:schemeClr val="accent1"/>
+          </a:fillRef>
+          <a:effectRef idx="0">
+            <a:schemeClr val="accent1"/>
+          </a:effectRef>
+          <a:fontRef idx="minor">
+            <a:schemeClr val="lt1"/>
+          </a:fontRef>
+        </p:style>
+        <p:txBody>
+          <a:bodyPr rtlCol="0" anchor="ctr"/>
+          <a:lstStyle/>
+          <a:p>
+            <a:pPr algn="ctr"/>
+            <a:r>
+              <a:rPr lang="en-US" dirty="0" smtClean="0"/>
+              <a:t>On</a:t>
+            </a:r>
+            <a:endParaRPr lang="en-US" dirty="0"/>
+          </a:p>
+        </p:txBody>
+      </p:sp>
+      <p:cxnSp>
+        <p:nvCxnSpPr>
+          <p:cNvPr id="17" name="Elbow Connector 16"/>
+          <p:cNvCxnSpPr>
+            <a:stCxn id="4" idx="2"/>
+            <a:endCxn id="5" idx="2"/>
+          </p:cNvCxnSpPr>
+          <p:nvPr/>
+        </p:nvCxnSpPr>
+        <p:spPr>
+          <a:xfrm rot="16200000" flipH="1">
+            <a:off x="4989471" y="339318"/>
+            <a:ext cx="12700" cy="4583722"/>
+          </a:xfrm>
+          <a:prstGeom prst="bentConnector3">
+            <a:avLst>
+              <a:gd name="adj1" fmla="val 2266669"/>
+            </a:avLst>
+          </a:prstGeom>
+          <a:ln w="22225">
+            <a:tailEnd type="triangle"/>
+          </a:ln>
+        </p:spPr>
+        <p:style>
+          <a:lnRef idx="1">
+            <a:schemeClr val="accent1"/>
+          </a:lnRef>
+          <a:fillRef idx="0">
+            <a:schemeClr val="accent1"/>
+          </a:fillRef>
+          <a:effectRef idx="0">
+            <a:schemeClr val="accent1"/>
+          </a:effectRef>
+          <a:fontRef idx="minor">
+            <a:schemeClr val="tx1"/>
+          </a:fontRef>
+        </p:style>
+      </p:cxnSp>
+      <p:cxnSp>
+        <p:nvCxnSpPr>
+          <p:cNvPr id="23" name="Elbow Connector 22"/>
+          <p:cNvCxnSpPr>
+            <a:stCxn id="5" idx="0"/>
+            <a:endCxn id="4" idx="0"/>
+          </p:cNvCxnSpPr>
+          <p:nvPr/>
+        </p:nvCxnSpPr>
+        <p:spPr>
+          <a:xfrm rot="16200000" flipV="1">
+            <a:off x="4989471" y="-493021"/>
+            <a:ext cx="12700" cy="4583722"/>
+          </a:xfrm>
+          <a:prstGeom prst="bentConnector3">
+            <a:avLst>
+              <a:gd name="adj1" fmla="val 2625646"/>
+            </a:avLst>
+          </a:prstGeom>
+          <a:ln w="22225">
+            <a:tailEnd type="triangle"/>
+          </a:ln>
+        </p:spPr>
+        <p:style>
+          <a:lnRef idx="1">
+            <a:schemeClr val="accent1"/>
+          </a:lnRef>
+          <a:fillRef idx="0">
+            <a:schemeClr val="accent1"/>
+          </a:fillRef>
+          <a:effectRef idx="0">
+            <a:schemeClr val="accent1"/>
+          </a:effectRef>
+          <a:fontRef idx="minor">
+            <a:schemeClr val="tx1"/>
+          </a:fontRef>
+        </p:style>
+      </p:cxnSp>
+      <p:sp>
+        <p:nvSpPr>
+          <p:cNvPr id="27" name="TextBox 26"/>
+          <p:cNvSpPr txBox="1"/>
+          <p:nvPr/>
+        </p:nvSpPr>
+        <p:spPr>
+          <a:xfrm>
+            <a:off x="4519944" y="1099850"/>
+            <a:ext cx="785343" cy="369332"/>
+          </a:xfrm>
+          <a:prstGeom prst="rect">
+            <a:avLst/>
+          </a:prstGeom>
+          <a:noFill/>
+        </p:spPr>
+        <p:txBody>
+          <a:bodyPr wrap="none" rtlCol="0">
+            <a:spAutoFit/>
+          </a:bodyPr>
+          <a:lstStyle/>
+          <a:p>
+            <a:r>
+              <a:rPr lang="en-US" smtClean="0"/>
+              <a:t>switch</a:t>
+            </a:r>
+            <a:endParaRPr lang="en-US" dirty="0"/>
+          </a:p>
+        </p:txBody>
+      </p:sp>
+      <p:sp>
+        <p:nvSpPr>
+          <p:cNvPr id="24" name="TextBox 23"/>
+          <p:cNvSpPr txBox="1"/>
+          <p:nvPr/>
+        </p:nvSpPr>
+        <p:spPr>
+          <a:xfrm>
+            <a:off x="4519944" y="2945583"/>
+            <a:ext cx="785343" cy="369332"/>
+          </a:xfrm>
+          <a:prstGeom prst="rect">
+            <a:avLst/>
+          </a:prstGeom>
+          <a:noFill/>
+        </p:spPr>
+        <p:txBody>
+          <a:bodyPr wrap="none" rtlCol="0">
+            <a:spAutoFit/>
+          </a:bodyPr>
+          <a:lstStyle/>
+          <a:p>
+            <a:r>
+              <a:rPr lang="en-US" smtClean="0"/>
+              <a:t>switch</a:t>
+            </a:r>
+            <a:endParaRPr lang="en-US" dirty="0"/>
+          </a:p>
+        </p:txBody>
+      </p:sp>
+      <p:cxnSp>
+        <p:nvCxnSpPr>
+          <p:cNvPr id="25" name="Straight Arrow Connector 24"/>
+          <p:cNvCxnSpPr/>
+          <p:nvPr/>
+        </p:nvCxnSpPr>
+        <p:spPr>
+          <a:xfrm>
+            <a:off x="1704557" y="1092200"/>
+            <a:ext cx="686319" cy="678147"/>
+          </a:xfrm>
+          <a:prstGeom prst="straightConnector1">
+            <a:avLst/>
+          </a:prstGeom>
+          <a:ln w="22225">
+            <a:tailEnd type="triangle"/>
+          </a:ln>
+        </p:spPr>
+        <p:style>
+          <a:lnRef idx="1">
+            <a:schemeClr val="accent1"/>
+          </a:lnRef>
+          <a:fillRef idx="0">
+            <a:schemeClr val="accent1"/>
+          </a:fillRef>
+          <a:effectRef idx="0">
+            <a:schemeClr val="accent1"/>
+          </a:effectRef>
+          <a:fontRef idx="minor">
+            <a:schemeClr val="tx1"/>
+          </a:fontRef>
+        </p:style>
+      </p:cxnSp>
+      <p:sp>
+        <p:nvSpPr>
+          <p:cNvPr id="26" name="TextBox 25"/>
+          <p:cNvSpPr txBox="1"/>
+          <p:nvPr/>
+        </p:nvSpPr>
+        <p:spPr>
+          <a:xfrm>
+            <a:off x="1256364" y="1191653"/>
+            <a:ext cx="632353" cy="369332"/>
+          </a:xfrm>
+          <a:prstGeom prst="rect">
+            <a:avLst/>
+          </a:prstGeom>
+          <a:noFill/>
+        </p:spPr>
+        <p:txBody>
+          <a:bodyPr wrap="none" rtlCol="0">
+            <a:spAutoFit/>
+          </a:bodyPr>
+          <a:lstStyle/>
+          <a:p>
+            <a:pPr algn="r"/>
+            <a:r>
+              <a:rPr lang="en-US" smtClean="0"/>
+              <a:t>Start</a:t>
+            </a:r>
+            <a:endParaRPr lang="en-US" dirty="0"/>
+          </a:p>
+        </p:txBody>
+      </p:sp>
+    </p:spTree>
+    <p:extLst>
+      <p:ext uri="{BB962C8B-B14F-4D97-AF65-F5344CB8AC3E}">
+        <p14:creationId xmlns:p14="http://schemas.microsoft.com/office/powerpoint/2010/main" val="1016043877"/>
+      </p:ext>
+    </p:extLst>
+  </p:cSld>
+  <p:clrMapOvr>
+    <a:masterClrMapping/>
+  </p:clrMapOvr>
+</p:sld>
+</file>
+
+<file path=ppt/slides/slide3.xml><?xml version="1.0" encoding="utf-8"?>
+<p:sld xmlns:a="http://schemas.openxmlformats.org/drawingml/2006/main" xmlns:r="http://schemas.openxmlformats.org/officeDocument/2006/relationships" xmlns:p="http://schemas.openxmlformats.org/presentationml/2006/main">
+  <p:cSld>
+    <p:spTree>
+      <p:nvGrpSpPr>
+        <p:cNvPr id="1" name=""/>
+        <p:cNvGrpSpPr/>
+        <p:nvPr/>
+      </p:nvGrpSpPr>
+      <p:grpSpPr>
+        <a:xfrm>
+          <a:off x="0" y="0"/>
+          <a:ext cx="0" cy="0"/>
+          <a:chOff x="0" y="0"/>
+          <a:chExt cx="0" cy="0"/>
+        </a:xfrm>
+      </p:grpSpPr>
+      <p:sp>
+        <p:nvSpPr>
+          <p:cNvPr id="4" name="Rounded Rectangle 3"/>
+          <p:cNvSpPr/>
+          <p:nvPr/>
+        </p:nvSpPr>
+        <p:spPr>
+          <a:xfrm>
+            <a:off x="1888717" y="1798840"/>
+            <a:ext cx="1617785" cy="832339"/>
+          </a:xfrm>
+          <a:prstGeom prst="roundRect">
+            <a:avLst/>
+          </a:prstGeom>
+        </p:spPr>
+        <p:style>
+          <a:lnRef idx="2">
+            <a:schemeClr val="accent1">
+              <a:shade val="50000"/>
+            </a:schemeClr>
+          </a:lnRef>
+          <a:fillRef idx="1">
+            <a:schemeClr val="accent1"/>
+          </a:fillRef>
+          <a:effectRef idx="0">
+            <a:schemeClr val="accent1"/>
+          </a:effectRef>
+          <a:fontRef idx="minor">
+            <a:schemeClr val="lt1"/>
+          </a:fontRef>
+        </p:style>
+        <p:txBody>
+          <a:bodyPr rtlCol="0" anchor="ctr"/>
+          <a:lstStyle/>
+          <a:p>
+            <a:pPr algn="ctr"/>
+            <a:r>
+              <a:rPr lang="en-US" dirty="0" smtClean="0"/>
               <a:t>Door Closed</a:t>
             </a:r>
           </a:p>
@@ -5026,4 +5698,265 @@
     </a:ext>
   </a:extLst>
 </a:theme>
+</file>
+
+<file path=ppt/theme/theme2.xml><?xml version="1.0" encoding="utf-8"?>
+<a:theme xmlns:a="http://schemas.openxmlformats.org/drawingml/2006/main" name="Office Theme">
+  <a:themeElements>
+    <a:clrScheme name="Office">
+      <a:dk1>
+        <a:sysClr val="windowText" lastClr="000000"/>
+      </a:dk1>
+      <a:lt1>
+        <a:sysClr val="window" lastClr="FFFFFF"/>
+      </a:lt1>
+      <a:dk2>
+        <a:srgbClr val="44546A"/>
+      </a:dk2>
+      <a:lt2>
+        <a:srgbClr val="E7E6E6"/>
+      </a:lt2>
+      <a:accent1>
+        <a:srgbClr val="4472C4"/>
+      </a:accent1>
+      <a:accent2>
+        <a:srgbClr val="ED7D31"/>
+      </a:accent2>
+      <a:accent3>
+        <a:srgbClr val="A5A5A5"/>
+      </a:accent3>
+      <a:accent4>
+        <a:srgbClr val="FFC000"/>
+      </a:accent4>
+      <a:accent5>
+        <a:srgbClr val="5B9BD5"/>
+      </a:accent5>
+      <a:accent6>
+        <a:srgbClr val="70AD47"/>
+      </a:accent6>
+      <a:hlink>
+        <a:srgbClr val="0563C1"/>
+      </a:hlink>
+      <a:folHlink>
+        <a:srgbClr val="954F72"/>
+      </a:folHlink>
+    </a:clrScheme>
+    <a:fontScheme name="Office">
+      <a:majorFont>
+        <a:latin typeface="Calibri Light" panose="020F0302020204030204"/>
+        <a:ea typeface=""/>
+        <a:cs typeface=""/>
+        <a:font script="Jpan" typeface="Yu Gothic Light"/>
+        <a:font script="Hang" typeface="맑은 고딕"/>
+        <a:font script="Hans" typeface="DengXian Light"/>
+        <a:font script="Hant" typeface="新細明體"/>
+        <a:font script="Arab" typeface="Times New Roman"/>
+        <a:font script="Hebr" typeface="Times New Roman"/>
+        <a:font script="Thai" typeface="Angsana New"/>
+        <a:font script="Ethi" typeface="Nyala"/>
+        <a:font script="Beng" typeface="Vrinda"/>
+        <a:font script="Gujr" typeface="Shruti"/>
+        <a:font script="Khmr" typeface="MoolBoran"/>
+        <a:font script="Knda" typeface="Tunga"/>
+        <a:font script="Guru" typeface="Raavi"/>
+        <a:font script="Cans" typeface="Euphemia"/>
+        <a:font script="Cher" typeface="Plantagenet Cherokee"/>
+        <a:font script="Yiii" typeface="Microsoft Yi Baiti"/>
+        <a:font script="Tibt" typeface="Microsoft Himalaya"/>
+        <a:font script="Thaa" typeface="MV Boli"/>
+        <a:font script="Deva" typeface="Mangal"/>
+        <a:font script="Telu" typeface="Gautami"/>
+        <a:font script="Taml" typeface="Latha"/>
+        <a:font script="Syrc" typeface="Estrangelo Edessa"/>
+        <a:font script="Orya" typeface="Kalinga"/>
+        <a:font script="Mlym" typeface="Kartika"/>
+        <a:font script="Laoo" typeface="DokChampa"/>
+        <a:font script="Sinh" typeface="Iskoola Pota"/>
+        <a:font script="Mong" typeface="Mongolian Baiti"/>
+        <a:font script="Viet" typeface="Times New Roman"/>
+        <a:font script="Uigh" typeface="Microsoft Uighur"/>
+        <a:font script="Geor" typeface="Sylfaen"/>
+      </a:majorFont>
+      <a:minorFont>
+        <a:latin typeface="Calibri" panose="020F0502020204030204"/>
+        <a:ea typeface=""/>
+        <a:cs typeface=""/>
+        <a:font script="Jpan" typeface="Yu Gothic"/>
+        <a:font script="Hang" typeface="맑은 고딕"/>
+        <a:font script="Hans" typeface="DengXian"/>
+        <a:font script="Hant" typeface="新細明體"/>
+        <a:font script="Arab" typeface="Arial"/>
+        <a:font script="Hebr" typeface="Arial"/>
+        <a:font script="Thai" typeface="Cordia New"/>
+        <a:font script="Ethi" typeface="Nyala"/>
+        <a:font script="Beng" typeface="Vrinda"/>
+        <a:font script="Gujr" typeface="Shruti"/>
+        <a:font script="Khmr" typeface="DaunPenh"/>
+        <a:font script="Knda" typeface="Tunga"/>
+        <a:font script="Guru" typeface="Raavi"/>
+        <a:font script="Cans" typeface="Euphemia"/>
+        <a:font script="Cher" typeface="Plantagenet Cherokee"/>
+        <a:font script="Yiii" typeface="Microsoft Yi Baiti"/>
+        <a:font script="Tibt" typeface="Microsoft Himalaya"/>
+        <a:font script="Thaa" typeface="MV Boli"/>
+        <a:font script="Deva" typeface="Mangal"/>
+        <a:font script="Telu" typeface="Gautami"/>
+        <a:font script="Taml" typeface="Latha"/>
+        <a:font script="Syrc" typeface="Estrangelo Edessa"/>
+        <a:font script="Orya" typeface="Kalinga"/>
+        <a:font script="Mlym" typeface="Kartika"/>
+        <a:font script="Laoo" typeface="DokChampa"/>
+        <a:font script="Sinh" typeface="Iskoola Pota"/>
+        <a:font script="Mong" typeface="Mongolian Baiti"/>
+        <a:font script="Viet" typeface="Arial"/>
+        <a:font script="Uigh" typeface="Microsoft Uighur"/>
+        <a:font script="Geor" typeface="Sylfaen"/>
+      </a:minorFont>
+    </a:fontScheme>
+    <a:fmtScheme name="Office">
+      <a:fillStyleLst>
+        <a:solidFill>
+          <a:schemeClr val="phClr"/>
+        </a:solidFill>
+        <a:gradFill rotWithShape="1">
+          <a:gsLst>
+            <a:gs pos="0">
+              <a:schemeClr val="phClr">
+                <a:lumMod val="110000"/>
+                <a:satMod val="105000"/>
+                <a:tint val="67000"/>
+              </a:schemeClr>
+            </a:gs>
+            <a:gs pos="50000">
+              <a:schemeClr val="phClr">
+                <a:lumMod val="105000"/>
+                <a:satMod val="103000"/>
+                <a:tint val="73000"/>
+              </a:schemeClr>
+            </a:gs>
+            <a:gs pos="100000">
+              <a:schemeClr val="phClr">
+                <a:lumMod val="105000"/>
+                <a:satMod val="109000"/>
+                <a:tint val="81000"/>
+              </a:schemeClr>
+            </a:gs>
+          </a:gsLst>
+          <a:lin ang="5400000" scaled="0"/>
+        </a:gradFill>
+        <a:gradFill rotWithShape="1">
+          <a:gsLst>
+            <a:gs pos="0">
+              <a:schemeClr val="phClr">
+                <a:satMod val="103000"/>
+                <a:lumMod val="102000"/>
+                <a:tint val="94000"/>
+              </a:schemeClr>
+            </a:gs>
+            <a:gs pos="50000">
+              <a:schemeClr val="phClr">
+                <a:satMod val="110000"/>
+                <a:lumMod val="100000"/>
+                <a:shade val="100000"/>
+              </a:schemeClr>
+            </a:gs>
+            <a:gs pos="100000">
+              <a:schemeClr val="phClr">
+                <a:lumMod val="99000"/>
+                <a:satMod val="120000"/>
+                <a:shade val="78000"/>
+              </a:schemeClr>
+            </a:gs>
+          </a:gsLst>
+          <a:lin ang="5400000" scaled="0"/>
+        </a:gradFill>
+      </a:fillStyleLst>
+      <a:lnStyleLst>
+        <a:ln w="6350" cap="flat" cmpd="sng" algn="ctr">
+          <a:solidFill>
+            <a:schemeClr val="phClr"/>
+          </a:solidFill>
+          <a:prstDash val="solid"/>
+          <a:miter lim="800000"/>
+        </a:ln>
+        <a:ln w="12700" cap="flat" cmpd="sng" algn="ctr">
+          <a:solidFill>
+            <a:schemeClr val="phClr"/>
+          </a:solidFill>
+          <a:prstDash val="solid"/>
+          <a:miter lim="800000"/>
+        </a:ln>
+        <a:ln w="19050" cap="flat" cmpd="sng" algn="ctr">
+          <a:solidFill>
+            <a:schemeClr val="phClr"/>
+          </a:solidFill>
+          <a:prstDash val="solid"/>
+          <a:miter lim="800000"/>
+        </a:ln>
+      </a:lnStyleLst>
+      <a:effectStyleLst>
+        <a:effectStyle>
+          <a:effectLst/>
+        </a:effectStyle>
+        <a:effectStyle>
+          <a:effectLst/>
+        </a:effectStyle>
+        <a:effectStyle>
+          <a:effectLst>
+            <a:outerShdw blurRad="57150" dist="19050" dir="5400000" algn="ctr" rotWithShape="0">
+              <a:srgbClr val="000000">
+                <a:alpha val="63000"/>
+              </a:srgbClr>
+            </a:outerShdw>
+          </a:effectLst>
+        </a:effectStyle>
+      </a:effectStyleLst>
+      <a:bgFillStyleLst>
+        <a:solidFill>
+          <a:schemeClr val="phClr"/>
+        </a:solidFill>
+        <a:solidFill>
+          <a:schemeClr val="phClr">
+            <a:tint val="95000"/>
+            <a:satMod val="170000"/>
+          </a:schemeClr>
+        </a:solidFill>
+        <a:gradFill rotWithShape="1">
+          <a:gsLst>
+            <a:gs pos="0">
+              <a:schemeClr val="phClr">
+                <a:tint val="93000"/>
+                <a:satMod val="150000"/>
+                <a:shade val="98000"/>
+                <a:lumMod val="102000"/>
+              </a:schemeClr>
+            </a:gs>
+            <a:gs pos="50000">
+              <a:schemeClr val="phClr">
+                <a:tint val="98000"/>
+                <a:satMod val="130000"/>
+                <a:shade val="90000"/>
+                <a:lumMod val="103000"/>
+              </a:schemeClr>
+            </a:gs>
+            <a:gs pos="100000">
+              <a:schemeClr val="phClr">
+                <a:shade val="63000"/>
+                <a:satMod val="120000"/>
+              </a:schemeClr>
+            </a:gs>
+          </a:gsLst>
+          <a:lin ang="5400000" scaled="0"/>
+        </a:gradFill>
+      </a:bgFillStyleLst>
+    </a:fmtScheme>
+  </a:themeElements>
+  <a:objectDefaults/>
+  <a:extraClrSchemeLst/>
+  <a:extLst>
+    <a:ext uri="{05A4C25C-085E-4340-85A3-A5531E510DB2}">
+      <thm15:themeFamily xmlns:thm15="http://schemas.microsoft.com/office/thememl/2012/main" name="Office Theme" id="{62F939B6-93AF-4DB8-9C6B-D6C7DFDC589F}" vid="{4A3C46E8-61CC-4603-A589-7422A47A8E4A}"/>
+    </a:ext>
+  </a:extLst>
+</a:theme>
 </file>
--- a/week_7/slides.pptx
+++ b/week_7/slides.pptx
@@ -5,12 +5,13 @@
     <p:sldMasterId id="2147483648" r:id="rId1"/>
   </p:sldMasterIdLst>
   <p:notesMasterIdLst>
-    <p:notesMasterId r:id="rId5"/>
+    <p:notesMasterId r:id="rId6"/>
   </p:notesMasterIdLst>
   <p:sldIdLst>
     <p:sldId id="256" r:id="rId2"/>
     <p:sldId id="258" r:id="rId3"/>
     <p:sldId id="257" r:id="rId4"/>
+    <p:sldId id="259" r:id="rId5"/>
   </p:sldIdLst>
   <p:sldSz cx="12192000" cy="6858000"/>
   <p:notesSz cx="6858000" cy="9144000"/>
@@ -5430,6 +5431,820 @@
     <p:extLst>
       <p:ext uri="{BB962C8B-B14F-4D97-AF65-F5344CB8AC3E}">
         <p14:creationId xmlns:p14="http://schemas.microsoft.com/office/powerpoint/2010/main" val="1862472888"/>
+      </p:ext>
+    </p:extLst>
+  </p:cSld>
+  <p:clrMapOvr>
+    <a:masterClrMapping/>
+  </p:clrMapOvr>
+</p:sld>
+</file>
+
+<file path=ppt/slides/slide4.xml><?xml version="1.0" encoding="utf-8"?>
+<p:sld xmlns:a="http://schemas.openxmlformats.org/drawingml/2006/main" xmlns:r="http://schemas.openxmlformats.org/officeDocument/2006/relationships" xmlns:p="http://schemas.openxmlformats.org/presentationml/2006/main">
+  <p:cSld>
+    <p:spTree>
+      <p:nvGrpSpPr>
+        <p:cNvPr id="1" name=""/>
+        <p:cNvGrpSpPr/>
+        <p:nvPr/>
+      </p:nvGrpSpPr>
+      <p:grpSpPr>
+        <a:xfrm>
+          <a:off x="0" y="0"/>
+          <a:ext cx="0" cy="0"/>
+          <a:chOff x="0" y="0"/>
+          <a:chExt cx="0" cy="0"/>
+        </a:xfrm>
+      </p:grpSpPr>
+      <p:sp>
+        <p:nvSpPr>
+          <p:cNvPr id="4" name="Rounded Rectangle 3"/>
+          <p:cNvSpPr/>
+          <p:nvPr/>
+        </p:nvSpPr>
+        <p:spPr>
+          <a:xfrm>
+            <a:off x="796517" y="2628573"/>
+            <a:ext cx="1617785" cy="832339"/>
+          </a:xfrm>
+          <a:prstGeom prst="roundRect">
+            <a:avLst/>
+          </a:prstGeom>
+        </p:spPr>
+        <p:style>
+          <a:lnRef idx="2">
+            <a:schemeClr val="accent1">
+              <a:shade val="50000"/>
+            </a:schemeClr>
+          </a:lnRef>
+          <a:fillRef idx="1">
+            <a:schemeClr val="accent1"/>
+          </a:fillRef>
+          <a:effectRef idx="0">
+            <a:schemeClr val="accent1"/>
+          </a:effectRef>
+          <a:fontRef idx="minor">
+            <a:schemeClr val="lt1"/>
+          </a:fontRef>
+        </p:style>
+        <p:txBody>
+          <a:bodyPr rtlCol="0" anchor="ctr"/>
+          <a:lstStyle/>
+          <a:p>
+            <a:pPr algn="ctr"/>
+            <a:r>
+              <a:rPr lang="en-US" smtClean="0"/>
+              <a:t>Recharge</a:t>
+            </a:r>
+            <a:endParaRPr lang="en-US" dirty="0"/>
+          </a:p>
+        </p:txBody>
+      </p:sp>
+      <p:sp>
+        <p:nvSpPr>
+          <p:cNvPr id="5" name="Rounded Rectangle 4"/>
+          <p:cNvSpPr/>
+          <p:nvPr/>
+        </p:nvSpPr>
+        <p:spPr>
+          <a:xfrm>
+            <a:off x="3438117" y="1375506"/>
+            <a:ext cx="1617785" cy="832339"/>
+          </a:xfrm>
+          <a:prstGeom prst="roundRect">
+            <a:avLst/>
+          </a:prstGeom>
+        </p:spPr>
+        <p:style>
+          <a:lnRef idx="2">
+            <a:schemeClr val="accent1">
+              <a:shade val="50000"/>
+            </a:schemeClr>
+          </a:lnRef>
+          <a:fillRef idx="1">
+            <a:schemeClr val="accent1"/>
+          </a:fillRef>
+          <a:effectRef idx="0">
+            <a:schemeClr val="accent1"/>
+          </a:effectRef>
+          <a:fontRef idx="minor">
+            <a:schemeClr val="lt1"/>
+          </a:fontRef>
+        </p:style>
+        <p:txBody>
+          <a:bodyPr rtlCol="0" anchor="ctr"/>
+          <a:lstStyle/>
+          <a:p>
+            <a:pPr algn="ctr"/>
+            <a:r>
+              <a:rPr lang="en-US" dirty="0" smtClean="0"/>
+              <a:t>Find Recharge</a:t>
+            </a:r>
+          </a:p>
+          <a:p>
+            <a:pPr algn="ctr"/>
+            <a:r>
+              <a:rPr lang="en-US" dirty="0" smtClean="0"/>
+              <a:t>Station</a:t>
+            </a:r>
+            <a:endParaRPr lang="en-US" dirty="0"/>
+          </a:p>
+        </p:txBody>
+      </p:sp>
+      <p:sp>
+        <p:nvSpPr>
+          <p:cNvPr id="6" name="Rounded Rectangle 5"/>
+          <p:cNvSpPr/>
+          <p:nvPr/>
+        </p:nvSpPr>
+        <p:spPr>
+          <a:xfrm>
+            <a:off x="3438117" y="3873173"/>
+            <a:ext cx="1617785" cy="832339"/>
+          </a:xfrm>
+          <a:prstGeom prst="roundRect">
+            <a:avLst/>
+          </a:prstGeom>
+        </p:spPr>
+        <p:style>
+          <a:lnRef idx="2">
+            <a:schemeClr val="accent1">
+              <a:shade val="50000"/>
+            </a:schemeClr>
+          </a:lnRef>
+          <a:fillRef idx="1">
+            <a:schemeClr val="accent1"/>
+          </a:fillRef>
+          <a:effectRef idx="0">
+            <a:schemeClr val="accent1"/>
+          </a:effectRef>
+          <a:fontRef idx="minor">
+            <a:schemeClr val="lt1"/>
+          </a:fontRef>
+        </p:style>
+        <p:txBody>
+          <a:bodyPr rtlCol="0" anchor="ctr"/>
+          <a:lstStyle/>
+          <a:p>
+            <a:pPr algn="ctr"/>
+            <a:r>
+              <a:rPr lang="en-US" smtClean="0"/>
+              <a:t>Wander</a:t>
+            </a:r>
+            <a:endParaRPr lang="en-US" dirty="0"/>
+          </a:p>
+        </p:txBody>
+      </p:sp>
+      <p:sp>
+        <p:nvSpPr>
+          <p:cNvPr id="7" name="Rounded Rectangle 6"/>
+          <p:cNvSpPr/>
+          <p:nvPr/>
+        </p:nvSpPr>
+        <p:spPr>
+          <a:xfrm>
+            <a:off x="6799383" y="1375505"/>
+            <a:ext cx="1617785" cy="832339"/>
+          </a:xfrm>
+          <a:prstGeom prst="roundRect">
+            <a:avLst/>
+          </a:prstGeom>
+        </p:spPr>
+        <p:style>
+          <a:lnRef idx="2">
+            <a:schemeClr val="accent1">
+              <a:shade val="50000"/>
+            </a:schemeClr>
+          </a:lnRef>
+          <a:fillRef idx="1">
+            <a:schemeClr val="accent1"/>
+          </a:fillRef>
+          <a:effectRef idx="0">
+            <a:schemeClr val="accent1"/>
+          </a:effectRef>
+          <a:fontRef idx="minor">
+            <a:schemeClr val="lt1"/>
+          </a:fontRef>
+        </p:style>
+        <p:txBody>
+          <a:bodyPr rtlCol="0" anchor="ctr"/>
+          <a:lstStyle/>
+          <a:p>
+            <a:pPr algn="ctr"/>
+            <a:r>
+              <a:rPr lang="en-US" dirty="0" smtClean="0"/>
+              <a:t>Evade</a:t>
+            </a:r>
+            <a:endParaRPr lang="en-US" dirty="0"/>
+          </a:p>
+        </p:txBody>
+      </p:sp>
+      <p:sp>
+        <p:nvSpPr>
+          <p:cNvPr id="8" name="Rounded Rectangle 7"/>
+          <p:cNvSpPr/>
+          <p:nvPr/>
+        </p:nvSpPr>
+        <p:spPr>
+          <a:xfrm>
+            <a:off x="6799383" y="3873172"/>
+            <a:ext cx="1617785" cy="832339"/>
+          </a:xfrm>
+          <a:prstGeom prst="roundRect">
+            <a:avLst/>
+          </a:prstGeom>
+        </p:spPr>
+        <p:style>
+          <a:lnRef idx="2">
+            <a:schemeClr val="accent1">
+              <a:shade val="50000"/>
+            </a:schemeClr>
+          </a:lnRef>
+          <a:fillRef idx="1">
+            <a:schemeClr val="accent1"/>
+          </a:fillRef>
+          <a:effectRef idx="0">
+            <a:schemeClr val="accent1"/>
+          </a:effectRef>
+          <a:fontRef idx="minor">
+            <a:schemeClr val="lt1"/>
+          </a:fontRef>
+        </p:style>
+        <p:txBody>
+          <a:bodyPr rtlCol="0" anchor="ctr"/>
+          <a:lstStyle/>
+          <a:p>
+            <a:pPr algn="ctr"/>
+            <a:r>
+              <a:rPr lang="en-US" dirty="0" smtClean="0"/>
+              <a:t>Make</a:t>
+            </a:r>
+          </a:p>
+          <a:p>
+            <a:pPr algn="ctr"/>
+            <a:r>
+              <a:rPr lang="en-US" dirty="0" smtClean="0"/>
+              <a:t>Noise</a:t>
+            </a:r>
+            <a:endParaRPr lang="en-US" dirty="0"/>
+          </a:p>
+        </p:txBody>
+      </p:sp>
+      <p:cxnSp>
+        <p:nvCxnSpPr>
+          <p:cNvPr id="9" name="Elbow Connector 8"/>
+          <p:cNvCxnSpPr>
+            <a:stCxn id="7" idx="1"/>
+            <a:endCxn id="5" idx="3"/>
+          </p:cNvCxnSpPr>
+          <p:nvPr/>
+        </p:nvCxnSpPr>
+        <p:spPr>
+          <a:xfrm rot="10800000" flipV="1">
+            <a:off x="5055903" y="1791674"/>
+            <a:ext cx="1743481" cy="1"/>
+          </a:xfrm>
+          <a:prstGeom prst="bentConnector3">
+            <a:avLst>
+              <a:gd name="adj1" fmla="val 50000"/>
+            </a:avLst>
+          </a:prstGeom>
+          <a:ln w="22225">
+            <a:tailEnd type="triangle"/>
+          </a:ln>
+        </p:spPr>
+        <p:style>
+          <a:lnRef idx="1">
+            <a:schemeClr val="accent1"/>
+          </a:lnRef>
+          <a:fillRef idx="0">
+            <a:schemeClr val="accent1"/>
+          </a:fillRef>
+          <a:effectRef idx="0">
+            <a:schemeClr val="accent1"/>
+          </a:effectRef>
+          <a:fontRef idx="minor">
+            <a:schemeClr val="tx1"/>
+          </a:fontRef>
+        </p:style>
+      </p:cxnSp>
+      <p:cxnSp>
+        <p:nvCxnSpPr>
+          <p:cNvPr id="12" name="Elbow Connector 11"/>
+          <p:cNvCxnSpPr>
+            <a:stCxn id="5" idx="1"/>
+            <a:endCxn id="4" idx="0"/>
+          </p:cNvCxnSpPr>
+          <p:nvPr/>
+        </p:nvCxnSpPr>
+        <p:spPr>
+          <a:xfrm rot="10800000" flipV="1">
+            <a:off x="1605411" y="1791675"/>
+            <a:ext cx="1832707" cy="836897"/>
+          </a:xfrm>
+          <a:prstGeom prst="bentConnector2">
+            <a:avLst/>
+          </a:prstGeom>
+          <a:ln w="22225">
+            <a:tailEnd type="triangle"/>
+          </a:ln>
+        </p:spPr>
+        <p:style>
+          <a:lnRef idx="1">
+            <a:schemeClr val="accent1"/>
+          </a:lnRef>
+          <a:fillRef idx="0">
+            <a:schemeClr val="accent1"/>
+          </a:fillRef>
+          <a:effectRef idx="0">
+            <a:schemeClr val="accent1"/>
+          </a:effectRef>
+          <a:fontRef idx="minor">
+            <a:schemeClr val="tx1"/>
+          </a:fontRef>
+        </p:style>
+      </p:cxnSp>
+      <p:cxnSp>
+        <p:nvCxnSpPr>
+          <p:cNvPr id="15" name="Elbow Connector 14"/>
+          <p:cNvCxnSpPr>
+            <a:stCxn id="4" idx="2"/>
+            <a:endCxn id="6" idx="1"/>
+          </p:cNvCxnSpPr>
+          <p:nvPr/>
+        </p:nvCxnSpPr>
+        <p:spPr>
+          <a:xfrm rot="16200000" flipH="1">
+            <a:off x="2107548" y="2958773"/>
+            <a:ext cx="828431" cy="1832707"/>
+          </a:xfrm>
+          <a:prstGeom prst="bentConnector2">
+            <a:avLst/>
+          </a:prstGeom>
+          <a:ln w="22225">
+            <a:tailEnd type="triangle"/>
+          </a:ln>
+        </p:spPr>
+        <p:style>
+          <a:lnRef idx="1">
+            <a:schemeClr val="accent1"/>
+          </a:lnRef>
+          <a:fillRef idx="0">
+            <a:schemeClr val="accent1"/>
+          </a:fillRef>
+          <a:effectRef idx="0">
+            <a:schemeClr val="accent1"/>
+          </a:effectRef>
+          <a:fontRef idx="minor">
+            <a:schemeClr val="tx1"/>
+          </a:fontRef>
+        </p:style>
+      </p:cxnSp>
+      <p:cxnSp>
+        <p:nvCxnSpPr>
+          <p:cNvPr id="19" name="Elbow Connector 18"/>
+          <p:cNvCxnSpPr>
+            <a:stCxn id="7" idx="2"/>
+            <a:endCxn id="8" idx="0"/>
+          </p:cNvCxnSpPr>
+          <p:nvPr/>
+        </p:nvCxnSpPr>
+        <p:spPr>
+          <a:xfrm rot="5400000">
+            <a:off x="6775612" y="3040508"/>
+            <a:ext cx="1665328" cy="12700"/>
+          </a:xfrm>
+          <a:prstGeom prst="bentConnector3">
+            <a:avLst>
+              <a:gd name="adj1" fmla="val 50000"/>
+            </a:avLst>
+          </a:prstGeom>
+          <a:ln w="22225">
+            <a:tailEnd type="triangle"/>
+          </a:ln>
+        </p:spPr>
+        <p:style>
+          <a:lnRef idx="1">
+            <a:schemeClr val="accent1"/>
+          </a:lnRef>
+          <a:fillRef idx="0">
+            <a:schemeClr val="accent1"/>
+          </a:fillRef>
+          <a:effectRef idx="0">
+            <a:schemeClr val="accent1"/>
+          </a:effectRef>
+          <a:fontRef idx="minor">
+            <a:schemeClr val="tx1"/>
+          </a:fontRef>
+        </p:style>
+      </p:cxnSp>
+      <p:cxnSp>
+        <p:nvCxnSpPr>
+          <p:cNvPr id="22" name="Elbow Connector 21"/>
+          <p:cNvCxnSpPr>
+            <a:stCxn id="8" idx="3"/>
+            <a:endCxn id="7" idx="3"/>
+          </p:cNvCxnSpPr>
+          <p:nvPr/>
+        </p:nvCxnSpPr>
+        <p:spPr>
+          <a:xfrm flipV="1">
+            <a:off x="8417168" y="1791675"/>
+            <a:ext cx="12700" cy="2497667"/>
+          </a:xfrm>
+          <a:prstGeom prst="bentConnector3">
+            <a:avLst>
+              <a:gd name="adj1" fmla="val 5000008"/>
+            </a:avLst>
+          </a:prstGeom>
+          <a:ln w="22225">
+            <a:tailEnd type="triangle"/>
+          </a:ln>
+        </p:spPr>
+        <p:style>
+          <a:lnRef idx="1">
+            <a:schemeClr val="accent1"/>
+          </a:lnRef>
+          <a:fillRef idx="0">
+            <a:schemeClr val="accent1"/>
+          </a:fillRef>
+          <a:effectRef idx="0">
+            <a:schemeClr val="accent1"/>
+          </a:effectRef>
+          <a:fontRef idx="minor">
+            <a:schemeClr val="tx1"/>
+          </a:fontRef>
+        </p:style>
+      </p:cxnSp>
+      <p:cxnSp>
+        <p:nvCxnSpPr>
+          <p:cNvPr id="26" name="Elbow Connector 25"/>
+          <p:cNvCxnSpPr>
+            <a:stCxn id="8" idx="1"/>
+            <a:endCxn id="6" idx="3"/>
+          </p:cNvCxnSpPr>
+          <p:nvPr/>
+        </p:nvCxnSpPr>
+        <p:spPr>
+          <a:xfrm rot="10800000" flipV="1">
+            <a:off x="5055903" y="4289341"/>
+            <a:ext cx="1743481" cy="1"/>
+          </a:xfrm>
+          <a:prstGeom prst="bentConnector3">
+            <a:avLst>
+              <a:gd name="adj1" fmla="val 50000"/>
+            </a:avLst>
+          </a:prstGeom>
+          <a:ln w="22225">
+            <a:tailEnd type="triangle"/>
+          </a:ln>
+        </p:spPr>
+        <p:style>
+          <a:lnRef idx="1">
+            <a:schemeClr val="accent1"/>
+          </a:lnRef>
+          <a:fillRef idx="0">
+            <a:schemeClr val="accent1"/>
+          </a:fillRef>
+          <a:effectRef idx="0">
+            <a:schemeClr val="accent1"/>
+          </a:effectRef>
+          <a:fontRef idx="minor">
+            <a:schemeClr val="tx1"/>
+          </a:fontRef>
+        </p:style>
+      </p:cxnSp>
+      <p:cxnSp>
+        <p:nvCxnSpPr>
+          <p:cNvPr id="29" name="Elbow Connector 28"/>
+          <p:cNvCxnSpPr>
+            <a:stCxn id="6" idx="2"/>
+            <a:endCxn id="8" idx="2"/>
+          </p:cNvCxnSpPr>
+          <p:nvPr/>
+        </p:nvCxnSpPr>
+        <p:spPr>
+          <a:xfrm rot="5400000" flipH="1" flipV="1">
+            <a:off x="5927642" y="3024879"/>
+            <a:ext cx="1" cy="3361266"/>
+          </a:xfrm>
+          <a:prstGeom prst="bentConnector3">
+            <a:avLst>
+              <a:gd name="adj1" fmla="val -22860000000"/>
+            </a:avLst>
+          </a:prstGeom>
+          <a:ln w="22225">
+            <a:tailEnd type="triangle"/>
+          </a:ln>
+        </p:spPr>
+        <p:style>
+          <a:lnRef idx="1">
+            <a:schemeClr val="accent1"/>
+          </a:lnRef>
+          <a:fillRef idx="0">
+            <a:schemeClr val="accent1"/>
+          </a:fillRef>
+          <a:effectRef idx="0">
+            <a:schemeClr val="accent1"/>
+          </a:effectRef>
+          <a:fontRef idx="minor">
+            <a:schemeClr val="tx1"/>
+          </a:fontRef>
+        </p:style>
+      </p:cxnSp>
+      <p:cxnSp>
+        <p:nvCxnSpPr>
+          <p:cNvPr id="41" name="Straight Arrow Connector 40"/>
+          <p:cNvCxnSpPr/>
+          <p:nvPr/>
+        </p:nvCxnSpPr>
+        <p:spPr>
+          <a:xfrm flipV="1">
+            <a:off x="2319368" y="4588933"/>
+            <a:ext cx="1118748" cy="476225"/>
+          </a:xfrm>
+          <a:prstGeom prst="straightConnector1">
+            <a:avLst/>
+          </a:prstGeom>
+          <a:ln w="22225">
+            <a:tailEnd type="triangle"/>
+          </a:ln>
+        </p:spPr>
+        <p:style>
+          <a:lnRef idx="1">
+            <a:schemeClr val="accent1"/>
+          </a:lnRef>
+          <a:fillRef idx="0">
+            <a:schemeClr val="accent1"/>
+          </a:fillRef>
+          <a:effectRef idx="0">
+            <a:schemeClr val="accent1"/>
+          </a:effectRef>
+          <a:fontRef idx="minor">
+            <a:schemeClr val="tx1"/>
+          </a:fontRef>
+        </p:style>
+      </p:cxnSp>
+      <p:sp>
+        <p:nvSpPr>
+          <p:cNvPr id="42" name="TextBox 41"/>
+          <p:cNvSpPr txBox="1"/>
+          <p:nvPr/>
+        </p:nvSpPr>
+        <p:spPr>
+          <a:xfrm>
+            <a:off x="2700909" y="4827045"/>
+            <a:ext cx="632353" cy="369332"/>
+          </a:xfrm>
+          <a:prstGeom prst="rect">
+            <a:avLst/>
+          </a:prstGeom>
+          <a:noFill/>
+        </p:spPr>
+        <p:txBody>
+          <a:bodyPr wrap="square" rtlCol="0">
+            <a:spAutoFit/>
+          </a:bodyPr>
+          <a:lstStyle/>
+          <a:p>
+            <a:pPr algn="r"/>
+            <a:r>
+              <a:rPr lang="en-US" dirty="0" smtClean="0"/>
+              <a:t>start</a:t>
+            </a:r>
+            <a:endParaRPr lang="en-US" dirty="0"/>
+          </a:p>
+        </p:txBody>
+      </p:sp>
+      <p:sp>
+        <p:nvSpPr>
+          <p:cNvPr id="45" name="TextBox 44"/>
+          <p:cNvSpPr txBox="1"/>
+          <p:nvPr/>
+        </p:nvSpPr>
+        <p:spPr>
+          <a:xfrm>
+            <a:off x="4834474" y="4937016"/>
+            <a:ext cx="2186335" cy="369332"/>
+          </a:xfrm>
+          <a:prstGeom prst="rect">
+            <a:avLst/>
+          </a:prstGeom>
+          <a:noFill/>
+        </p:spPr>
+        <p:txBody>
+          <a:bodyPr wrap="square" rtlCol="0">
+            <a:spAutoFit/>
+          </a:bodyPr>
+          <a:lstStyle/>
+          <a:p>
+            <a:pPr algn="ctr"/>
+            <a:r>
+              <a:rPr lang="en-US" dirty="0" smtClean="0"/>
+              <a:t>intruder detected</a:t>
+            </a:r>
+            <a:endParaRPr lang="en-US" dirty="0"/>
+          </a:p>
+        </p:txBody>
+      </p:sp>
+      <p:sp>
+        <p:nvSpPr>
+          <p:cNvPr id="46" name="TextBox 45"/>
+          <p:cNvSpPr txBox="1"/>
+          <p:nvPr/>
+        </p:nvSpPr>
+        <p:spPr>
+          <a:xfrm>
+            <a:off x="5181599" y="3920010"/>
+            <a:ext cx="1461205" cy="369332"/>
+          </a:xfrm>
+          <a:prstGeom prst="rect">
+            <a:avLst/>
+          </a:prstGeom>
+          <a:noFill/>
+        </p:spPr>
+        <p:txBody>
+          <a:bodyPr wrap="square" rtlCol="0">
+            <a:spAutoFit/>
+          </a:bodyPr>
+          <a:lstStyle/>
+          <a:p>
+            <a:pPr algn="ctr"/>
+            <a:r>
+              <a:rPr lang="en-US" smtClean="0"/>
+              <a:t>reset</a:t>
+            </a:r>
+            <a:endParaRPr lang="en-US" dirty="0"/>
+          </a:p>
+        </p:txBody>
+      </p:sp>
+      <p:sp>
+        <p:nvSpPr>
+          <p:cNvPr id="47" name="TextBox 46"/>
+          <p:cNvSpPr txBox="1"/>
+          <p:nvPr/>
+        </p:nvSpPr>
+        <p:spPr>
+          <a:xfrm>
+            <a:off x="6485466" y="2849167"/>
+            <a:ext cx="1461205" cy="369332"/>
+          </a:xfrm>
+          <a:prstGeom prst="rect">
+            <a:avLst/>
+          </a:prstGeom>
+          <a:noFill/>
+        </p:spPr>
+        <p:txBody>
+          <a:bodyPr wrap="square" rtlCol="0">
+            <a:spAutoFit/>
+          </a:bodyPr>
+          <a:lstStyle/>
+          <a:p>
+            <a:pPr algn="ctr"/>
+            <a:r>
+              <a:rPr lang="en-US" smtClean="0"/>
+              <a:t>reset</a:t>
+            </a:r>
+            <a:endParaRPr lang="en-US" dirty="0"/>
+          </a:p>
+        </p:txBody>
+      </p:sp>
+      <p:sp>
+        <p:nvSpPr>
+          <p:cNvPr id="48" name="TextBox 47"/>
+          <p:cNvSpPr txBox="1"/>
+          <p:nvPr/>
+        </p:nvSpPr>
+        <p:spPr>
+          <a:xfrm>
+            <a:off x="9031490" y="2723692"/>
+            <a:ext cx="1461205" cy="646331"/>
+          </a:xfrm>
+          <a:prstGeom prst="rect">
+            <a:avLst/>
+          </a:prstGeom>
+          <a:noFill/>
+        </p:spPr>
+        <p:txBody>
+          <a:bodyPr wrap="square" rtlCol="0">
+            <a:spAutoFit/>
+          </a:bodyPr>
+          <a:lstStyle/>
+          <a:p>
+            <a:r>
+              <a:rPr lang="en-US" smtClean="0"/>
+              <a:t>proximity </a:t>
+            </a:r>
+            <a:r>
+              <a:rPr lang="en-US" dirty="0" smtClean="0"/>
+              <a:t>warning</a:t>
+            </a:r>
+            <a:endParaRPr lang="en-US" dirty="0"/>
+          </a:p>
+        </p:txBody>
+      </p:sp>
+      <p:sp>
+        <p:nvSpPr>
+          <p:cNvPr id="49" name="TextBox 48"/>
+          <p:cNvSpPr txBox="1"/>
+          <p:nvPr/>
+        </p:nvSpPr>
+        <p:spPr>
+          <a:xfrm>
+            <a:off x="5181599" y="1415668"/>
+            <a:ext cx="1461205" cy="369332"/>
+          </a:xfrm>
+          <a:prstGeom prst="rect">
+            <a:avLst/>
+          </a:prstGeom>
+          <a:noFill/>
+        </p:spPr>
+        <p:txBody>
+          <a:bodyPr wrap="square" rtlCol="0">
+            <a:spAutoFit/>
+          </a:bodyPr>
+          <a:lstStyle/>
+          <a:p>
+            <a:pPr algn="ctr"/>
+            <a:r>
+              <a:rPr lang="en-US" smtClean="0"/>
+              <a:t>battery low</a:t>
+            </a:r>
+            <a:endParaRPr lang="en-US" dirty="0"/>
+          </a:p>
+        </p:txBody>
+      </p:sp>
+      <p:sp>
+        <p:nvSpPr>
+          <p:cNvPr id="50" name="TextBox 49"/>
+          <p:cNvSpPr txBox="1"/>
+          <p:nvPr/>
+        </p:nvSpPr>
+        <p:spPr>
+          <a:xfrm>
+            <a:off x="1340800" y="1153812"/>
+            <a:ext cx="2160166" cy="646331"/>
+          </a:xfrm>
+          <a:prstGeom prst="rect">
+            <a:avLst/>
+          </a:prstGeom>
+          <a:noFill/>
+        </p:spPr>
+        <p:txBody>
+          <a:bodyPr wrap="square" rtlCol="0">
+            <a:spAutoFit/>
+          </a:bodyPr>
+          <a:lstStyle/>
+          <a:p>
+            <a:pPr algn="ctr"/>
+            <a:r>
+              <a:rPr lang="en-US" dirty="0" smtClean="0"/>
+              <a:t>found </a:t>
+            </a:r>
+            <a:r>
+              <a:rPr lang="en-US" smtClean="0"/>
+              <a:t>recharge station</a:t>
+            </a:r>
+            <a:endParaRPr lang="en-US" dirty="0"/>
+          </a:p>
+        </p:txBody>
+      </p:sp>
+      <p:sp>
+        <p:nvSpPr>
+          <p:cNvPr id="51" name="TextBox 50"/>
+          <p:cNvSpPr txBox="1"/>
+          <p:nvPr/>
+        </p:nvSpPr>
+        <p:spPr>
+          <a:xfrm>
+            <a:off x="1486294" y="3915167"/>
+            <a:ext cx="2160166" cy="369332"/>
+          </a:xfrm>
+          <a:prstGeom prst="rect">
+            <a:avLst/>
+          </a:prstGeom>
+          <a:noFill/>
+        </p:spPr>
+        <p:txBody>
+          <a:bodyPr wrap="square" rtlCol="0">
+            <a:spAutoFit/>
+          </a:bodyPr>
+          <a:lstStyle/>
+          <a:p>
+            <a:pPr algn="ctr"/>
+            <a:r>
+              <a:rPr lang="en-US" smtClean="0"/>
+              <a:t>battery full</a:t>
+            </a:r>
+            <a:endParaRPr lang="en-US" dirty="0"/>
+          </a:p>
+        </p:txBody>
+      </p:sp>
+    </p:spTree>
+    <p:extLst>
+      <p:ext uri="{BB962C8B-B14F-4D97-AF65-F5344CB8AC3E}">
+        <p14:creationId xmlns:p14="http://schemas.microsoft.com/office/powerpoint/2010/main" val="1869302849"/>
       </p:ext>
     </p:extLst>
   </p:cSld>

--- a/week_7/slides.pptx
+++ b/week_7/slides.pptx
@@ -6238,6 +6238,32 @@
               <a:t>battery full</a:t>
             </a:r>
             <a:endParaRPr lang="en-US" dirty="0"/>
+          </a:p>
+        </p:txBody>
+      </p:sp>
+      <p:sp>
+        <p:nvSpPr>
+          <p:cNvPr id="52" name="TextBox 51"/>
+          <p:cNvSpPr txBox="1"/>
+          <p:nvPr/>
+        </p:nvSpPr>
+        <p:spPr>
+          <a:xfrm>
+            <a:off x="10744200" y="1473200"/>
+            <a:ext cx="184731" cy="369332"/>
+          </a:xfrm>
+          <a:prstGeom prst="rect">
+            <a:avLst/>
+          </a:prstGeom>
+          <a:noFill/>
+        </p:spPr>
+        <p:txBody>
+          <a:bodyPr wrap="none" rtlCol="0">
+            <a:spAutoFit/>
+          </a:bodyPr>
+          <a:lstStyle/>
+          <a:p>
+            <a:endParaRPr lang="en-US"/>
           </a:p>
         </p:txBody>
       </p:sp>

--- a/week_7/slides.pptx
+++ b/week_7/slides.pptx
@@ -6241,16 +6241,54 @@
           </a:p>
         </p:txBody>
       </p:sp>
-      <p:sp>
-        <p:nvSpPr>
-          <p:cNvPr id="52" name="TextBox 51"/>
+      <p:cxnSp>
+        <p:nvCxnSpPr>
+          <p:cNvPr id="53" name="Elbow Connector 52"/>
+          <p:cNvCxnSpPr>
+            <a:stCxn id="6" idx="0"/>
+            <a:endCxn id="5" idx="2"/>
+          </p:cNvCxnSpPr>
+          <p:nvPr/>
+        </p:nvCxnSpPr>
+        <p:spPr>
+          <a:xfrm rot="5400000" flipH="1" flipV="1">
+            <a:off x="3414346" y="3040509"/>
+            <a:ext cx="1665328" cy="12700"/>
+          </a:xfrm>
+          <a:prstGeom prst="bentConnector3">
+            <a:avLst>
+              <a:gd name="adj1" fmla="val 50000"/>
+            </a:avLst>
+          </a:prstGeom>
+          <a:ln w="22225">
+            <a:tailEnd type="triangle"/>
+          </a:ln>
+        </p:spPr>
+        <p:style>
+          <a:lnRef idx="1">
+            <a:schemeClr val="accent1"/>
+          </a:lnRef>
+          <a:fillRef idx="0">
+            <a:schemeClr val="accent1"/>
+          </a:fillRef>
+          <a:effectRef idx="0">
+            <a:schemeClr val="accent1"/>
+          </a:effectRef>
+          <a:fontRef idx="minor">
+            <a:schemeClr val="tx1"/>
+          </a:fontRef>
+        </p:style>
+      </p:cxnSp>
+      <p:sp>
+        <p:nvSpPr>
+          <p:cNvPr id="57" name="TextBox 56"/>
           <p:cNvSpPr txBox="1"/>
           <p:nvPr/>
         </p:nvSpPr>
         <p:spPr>
           <a:xfrm>
-            <a:off x="10744200" y="1473200"/>
-            <a:ext cx="184731" cy="369332"/>
+            <a:off x="4215368" y="2855842"/>
+            <a:ext cx="1461205" cy="369332"/>
           </a:xfrm>
           <a:prstGeom prst="rect">
             <a:avLst/>
@@ -6258,12 +6296,17 @@
           <a:noFill/>
         </p:spPr>
         <p:txBody>
-          <a:bodyPr wrap="none" rtlCol="0">
+          <a:bodyPr wrap="square" rtlCol="0">
             <a:spAutoFit/>
           </a:bodyPr>
           <a:lstStyle/>
           <a:p>
-            <a:endParaRPr lang="en-US"/>
+            <a:pPr algn="ctr"/>
+            <a:r>
+              <a:rPr lang="en-US" smtClean="0"/>
+              <a:t>battery low</a:t>
+            </a:r>
+            <a:endParaRPr lang="en-US" dirty="0"/>
           </a:p>
         </p:txBody>
       </p:sp>
